--- a/Lecture 5/Review.pptx
+++ b/Lecture 5/Review.pptx
@@ -120,6 +120,11 @@
       </a:defRPr>
     </a:lvl9pPr>
   </p:defaultTextStyle>
+  <p:extLst>
+    <p:ext uri="{EFAFB233-063F-42B5-8137-9DF3F51BA10A}">
+      <p15:sldGuideLst xmlns:p15="http://schemas.microsoft.com/office/powerpoint/2012/main"/>
+    </p:ext>
+  </p:extLst>
 </p:presentation>
 </file>
 
@@ -846,7 +851,7 @@
             <a:fld id="{B61BEF0D-F0BB-DE4B-95CE-6DB70DBA9567}" type="datetimeFigureOut">
               <a:rPr lang="en-US" dirty="0"/>
               <a:pPr/>
-              <a:t>4/13/20</a:t>
+              <a:t>4/15/20</a:t>
             </a:fld>
             <a:endParaRPr lang="en-US" dirty="0"/>
           </a:p>
@@ -1094,7 +1099,7 @@
             <a:fld id="{B61BEF0D-F0BB-DE4B-95CE-6DB70DBA9567}" type="datetimeFigureOut">
               <a:rPr lang="en-US" dirty="0"/>
               <a:pPr/>
-              <a:t>4/13/20</a:t>
+              <a:t>4/15/20</a:t>
             </a:fld>
             <a:endParaRPr lang="en-US" dirty="0"/>
           </a:p>
@@ -1405,7 +1410,7 @@
             <a:fld id="{B61BEF0D-F0BB-DE4B-95CE-6DB70DBA9567}" type="datetimeFigureOut">
               <a:rPr lang="en-US" dirty="0"/>
               <a:pPr/>
-              <a:t>4/13/20</a:t>
+              <a:t>4/15/20</a:t>
             </a:fld>
             <a:endParaRPr lang="en-US" dirty="0"/>
           </a:p>
@@ -1743,7 +1748,7 @@
             <a:fld id="{B61BEF0D-F0BB-DE4B-95CE-6DB70DBA9567}" type="datetimeFigureOut">
               <a:rPr lang="en-US" dirty="0"/>
               <a:pPr/>
-              <a:t>4/13/20</a:t>
+              <a:t>4/15/20</a:t>
             </a:fld>
             <a:endParaRPr lang="en-US" dirty="0"/>
           </a:p>
@@ -2054,7 +2059,7 @@
             <a:fld id="{B61BEF0D-F0BB-DE4B-95CE-6DB70DBA9567}" type="datetimeFigureOut">
               <a:rPr lang="en-US" dirty="0"/>
               <a:pPr/>
-              <a:t>4/13/20</a:t>
+              <a:t>4/15/20</a:t>
             </a:fld>
             <a:endParaRPr lang="en-US" dirty="0"/>
           </a:p>
@@ -2444,7 +2449,7 @@
             <a:fld id="{B61BEF0D-F0BB-DE4B-95CE-6DB70DBA9567}" type="datetimeFigureOut">
               <a:rPr lang="en-US" dirty="0"/>
               <a:pPr/>
-              <a:t>4/13/20</a:t>
+              <a:t>4/15/20</a:t>
             </a:fld>
             <a:endParaRPr lang="en-US" dirty="0"/>
           </a:p>
@@ -2610,7 +2615,7 @@
           <a:p>
             <a:fld id="{55C6B4A9-1611-4792-9094-5F34BCA07E0B}" type="datetimeFigureOut">
               <a:rPr lang="en-US" dirty="0"/>
-              <a:t>4/13/20</a:t>
+              <a:t>4/15/20</a:t>
             </a:fld>
             <a:endParaRPr lang="en-US" dirty="0"/>
           </a:p>
@@ -2786,7 +2791,7 @@
             <a:fld id="{B61BEF0D-F0BB-DE4B-95CE-6DB70DBA9567}" type="datetimeFigureOut">
               <a:rPr lang="en-US" dirty="0"/>
               <a:pPr/>
-              <a:t>4/13/20</a:t>
+              <a:t>4/15/20</a:t>
             </a:fld>
             <a:endParaRPr lang="en-US" dirty="0"/>
           </a:p>
@@ -2959,7 +2964,7 @@
             <a:fld id="{B61BEF0D-F0BB-DE4B-95CE-6DB70DBA9567}" type="datetimeFigureOut">
               <a:rPr lang="en-US" dirty="0"/>
               <a:pPr/>
-              <a:t>4/13/20</a:t>
+              <a:t>4/15/20</a:t>
             </a:fld>
             <a:endParaRPr lang="en-US" dirty="0"/>
           </a:p>
@@ -3203,7 +3208,7 @@
             <a:fld id="{B61BEF0D-F0BB-DE4B-95CE-6DB70DBA9567}" type="datetimeFigureOut">
               <a:rPr lang="en-US" dirty="0"/>
               <a:pPr/>
-              <a:t>4/13/20</a:t>
+              <a:t>4/15/20</a:t>
             </a:fld>
             <a:endParaRPr lang="en-US" dirty="0"/>
           </a:p>
@@ -3431,7 +3436,7 @@
           <a:p>
             <a:fld id="{EB712588-04B1-427B-82EE-E8DB90309F08}" type="datetimeFigureOut">
               <a:rPr lang="en-US" dirty="0"/>
-              <a:t>4/13/20</a:t>
+              <a:t>4/15/20</a:t>
             </a:fld>
             <a:endParaRPr lang="en-US" dirty="0"/>
           </a:p>
@@ -3801,7 +3806,7 @@
             <a:fld id="{B61BEF0D-F0BB-DE4B-95CE-6DB70DBA9567}" type="datetimeFigureOut">
               <a:rPr lang="en-US" dirty="0"/>
               <a:pPr/>
-              <a:t>4/13/20</a:t>
+              <a:t>4/15/20</a:t>
             </a:fld>
             <a:endParaRPr lang="en-US" dirty="0"/>
           </a:p>
@@ -3921,7 +3926,7 @@
             <a:fld id="{B61BEF0D-F0BB-DE4B-95CE-6DB70DBA9567}" type="datetimeFigureOut">
               <a:rPr lang="en-US" dirty="0"/>
               <a:pPr/>
-              <a:t>4/13/20</a:t>
+              <a:t>4/15/20</a:t>
             </a:fld>
             <a:endParaRPr lang="en-US" dirty="0"/>
           </a:p>
@@ -4013,7 +4018,7 @@
             <a:fld id="{B61BEF0D-F0BB-DE4B-95CE-6DB70DBA9567}" type="datetimeFigureOut">
               <a:rPr lang="en-US" dirty="0"/>
               <a:pPr/>
-              <a:t>4/13/20</a:t>
+              <a:t>4/15/20</a:t>
             </a:fld>
             <a:endParaRPr lang="en-US" dirty="0"/>
           </a:p>
@@ -4264,7 +4269,7 @@
           <a:p>
             <a:fld id="{42A54C80-263E-416B-A8E0-580EDEADCBDC}" type="datetimeFigureOut">
               <a:rPr lang="en-US" dirty="0"/>
-              <a:t>4/13/20</a:t>
+              <a:t>4/15/20</a:t>
             </a:fld>
             <a:endParaRPr lang="en-US" dirty="0"/>
           </a:p>
@@ -4523,7 +4528,7 @@
             <a:fld id="{B61BEF0D-F0BB-DE4B-95CE-6DB70DBA9567}" type="datetimeFigureOut">
               <a:rPr lang="en-US" dirty="0"/>
               <a:pPr/>
-              <a:t>4/13/20</a:t>
+              <a:t>4/15/20</a:t>
             </a:fld>
             <a:endParaRPr lang="en-US" dirty="0"/>
           </a:p>
@@ -5263,7 +5268,7 @@
             <a:fld id="{B61BEF0D-F0BB-DE4B-95CE-6DB70DBA9567}" type="datetimeFigureOut">
               <a:rPr lang="en-US" dirty="0"/>
               <a:pPr/>
-              <a:t>4/13/20</a:t>
+              <a:t>4/15/20</a:t>
             </a:fld>
             <a:endParaRPr lang="en-US" dirty="0"/>
           </a:p>
@@ -7754,16 +7759,10 @@
             </a:r>
           </a:p>
           <a:p>
-            <a:endParaRPr lang="en-US" dirty="0"/>
-          </a:p>
-          <a:p>
             <a:r>
               <a:rPr lang="en-US" dirty="0"/>
               <a:t>Reverse Index, we can also use negative index which is taken from the end.</a:t>
             </a:r>
-          </a:p>
-          <a:p>
-            <a:endParaRPr lang="en-US" dirty="0"/>
           </a:p>
           <a:p>
             <a:r>
@@ -7777,6 +7776,36 @@
             <a:r>
               <a:rPr lang="en-US" dirty="0"/>
               <a:t>[-1] which means 1 character from the end.</a:t>
+            </a:r>
+          </a:p>
+          <a:p>
+            <a:r>
+              <a:rPr lang="en-US" dirty="0"/>
+              <a:t>We can also access part of strings using </a:t>
+            </a:r>
+            <a:r>
+              <a:rPr lang="en-US" dirty="0" err="1"/>
+              <a:t>str_hello</a:t>
+            </a:r>
+            <a:r>
+              <a:rPr lang="en-US" dirty="0"/>
+              <a:t>[</a:t>
+            </a:r>
+            <a:r>
+              <a:rPr lang="en-US" dirty="0" err="1"/>
+              <a:t>start_index:end_index</a:t>
+            </a:r>
+            <a:r>
+              <a:rPr lang="en-US" dirty="0"/>
+              <a:t>] ex, </a:t>
+            </a:r>
+            <a:r>
+              <a:rPr lang="en-US" dirty="0" err="1"/>
+              <a:t>str_hello</a:t>
+            </a:r>
+            <a:r>
+              <a:rPr lang="en-US" dirty="0"/>
+              <a:t>[1:3] </a:t>
             </a:r>
           </a:p>
         </p:txBody>
